--- a/Presentazione finale.pptx
+++ b/Presentazione finale.pptx
@@ -5,10 +5,10 @@
     <p:sldMasterId id="2147483694" r:id="rId1"/>
   </p:sldMasterIdLst>
   <p:notesMasterIdLst>
-    <p:notesMasterId r:id="rId8"/>
+    <p:notesMasterId r:id="rId10"/>
   </p:notesMasterIdLst>
   <p:handoutMasterIdLst>
-    <p:handoutMasterId r:id="rId9"/>
+    <p:handoutMasterId r:id="rId11"/>
   </p:handoutMasterIdLst>
   <p:sldIdLst>
     <p:sldId id="257" r:id="rId2"/>
@@ -17,6 +17,8 @@
     <p:sldId id="260" r:id="rId5"/>
     <p:sldId id="261" r:id="rId6"/>
     <p:sldId id="262" r:id="rId7"/>
+    <p:sldId id="263" r:id="rId8"/>
+    <p:sldId id="264" r:id="rId9"/>
   </p:sldIdLst>
   <p:sldSz cx="12192000" cy="6858000"/>
   <p:notesSz cx="6858000" cy="9144000"/>
@@ -115,6 +117,14 @@
       </a:defRPr>
     </a:lvl9pPr>
   </p:defaultTextStyle>
+  <p:extLst>
+    <p:ext uri="{EFAFB233-063F-42B5-8137-9DF3F51BA10A}">
+      <p15:sldGuideLst xmlns:p15="http://schemas.microsoft.com/office/powerpoint/2012/main"/>
+    </p:ext>
+    <p:ext uri="{2D200454-40CA-4A62-9FC3-DE9A4176ACB9}">
+      <p15:notesGuideLst xmlns:p15="http://schemas.microsoft.com/office/powerpoint/2012/main"/>
+    </p:ext>
+  </p:extLst>
 </p:presentation>
 </file>
 
@@ -6387,6 +6397,462 @@
     <p:extLst>
       <p:ext uri="{BB962C8B-B14F-4D97-AF65-F5344CB8AC3E}">
         <p14:creationId xmlns:p14="http://schemas.microsoft.com/office/powerpoint/2010/main" val="4129279673"/>
+      </p:ext>
+    </p:extLst>
+  </p:cSld>
+  <p:clrMapOvr>
+    <a:masterClrMapping/>
+  </p:clrMapOvr>
+</p:sld>
+</file>
+
+<file path=ppt/slides/slide7.xml><?xml version="1.0" encoding="utf-8"?>
+<p:sld xmlns:a="http://schemas.openxmlformats.org/drawingml/2006/main" xmlns:r="http://schemas.openxmlformats.org/officeDocument/2006/relationships" xmlns:p="http://schemas.openxmlformats.org/presentationml/2006/main">
+  <p:cSld>
+    <p:spTree>
+      <p:nvGrpSpPr>
+        <p:cNvPr id="1" name=""/>
+        <p:cNvGrpSpPr/>
+        <p:nvPr/>
+      </p:nvGrpSpPr>
+      <p:grpSpPr>
+        <a:xfrm>
+          <a:off x="0" y="0"/>
+          <a:ext cx="0" cy="0"/>
+          <a:chOff x="0" y="0"/>
+          <a:chExt cx="0" cy="0"/>
+        </a:xfrm>
+      </p:grpSpPr>
+      <p:sp>
+        <p:nvSpPr>
+          <p:cNvPr id="2" name="Titolo 1">
+            <a:extLst>
+              <a:ext uri="{FF2B5EF4-FFF2-40B4-BE49-F238E27FC236}">
+                <a16:creationId xmlns:a16="http://schemas.microsoft.com/office/drawing/2014/main" id="{8D545FBA-210D-4E5D-BBC5-2950B7B4F8F7}"/>
+              </a:ext>
+            </a:extLst>
+          </p:cNvPr>
+          <p:cNvSpPr>
+            <a:spLocks noGrp="1"/>
+          </p:cNvSpPr>
+          <p:nvPr>
+            <p:ph type="title"/>
+          </p:nvPr>
+        </p:nvSpPr>
+        <p:spPr>
+          <a:xfrm>
+            <a:off x="1097280" y="286603"/>
+            <a:ext cx="9997440" cy="1450757"/>
+          </a:xfrm>
+        </p:spPr>
+        <p:txBody>
+          <a:bodyPr/>
+          <a:lstStyle/>
+          <a:p>
+            <a:r>
+              <a:rPr lang="it-IT"/>
+              <a:t>Analisi dei dati</a:t>
+            </a:r>
+            <a:endParaRPr lang="it-IT" dirty="0"/>
+          </a:p>
+        </p:txBody>
+      </p:sp>
+      <p:sp>
+        <p:nvSpPr>
+          <p:cNvPr id="3" name="Segnaposto contenuto 2">
+            <a:extLst>
+              <a:ext uri="{FF2B5EF4-FFF2-40B4-BE49-F238E27FC236}">
+                <a16:creationId xmlns:a16="http://schemas.microsoft.com/office/drawing/2014/main" id="{D4E213EF-6455-4108-AB87-5908DC0AD2D2}"/>
+              </a:ext>
+            </a:extLst>
+          </p:cNvPr>
+          <p:cNvSpPr>
+            <a:spLocks noGrp="1"/>
+          </p:cNvSpPr>
+          <p:nvPr>
+            <p:ph idx="1"/>
+          </p:nvPr>
+        </p:nvSpPr>
+        <p:spPr>
+          <a:xfrm>
+            <a:off x="1097280" y="1845734"/>
+            <a:ext cx="9997440" cy="4023360"/>
+          </a:xfrm>
+        </p:spPr>
+        <p:txBody>
+          <a:bodyPr>
+            <a:normAutofit/>
+          </a:bodyPr>
+          <a:lstStyle/>
+          <a:p>
+            <a:pPr marL="0" indent="0">
+              <a:buNone/>
+            </a:pPr>
+            <a:r>
+              <a:rPr lang="it-IT" sz="4000" b="1" dirty="0">
+                <a:solidFill>
+                  <a:srgbClr val="629DD1"/>
+                </a:solidFill>
+              </a:rPr>
+              <a:t>Individuale</a:t>
+            </a:r>
+          </a:p>
+          <a:p>
+            <a:pPr>
+              <a:buFont typeface="Arial" panose="020B0604020202020204" pitchFamily="34" charset="0"/>
+              <a:buChar char="•"/>
+            </a:pPr>
+            <a:r>
+              <a:rPr lang="it-IT" dirty="0"/>
+              <a:t> Digitalizzazione degli appunti cartacei presi durante </a:t>
+            </a:r>
+            <a:r>
+              <a:rPr lang="it-IT" dirty="0" err="1">
+                <a:solidFill>
+                  <a:schemeClr val="bg1"/>
+                </a:solidFill>
+              </a:rPr>
+              <a:t>a</a:t>
+            </a:r>
+            <a:r>
+              <a:rPr lang="it-IT" dirty="0" err="1"/>
+              <a:t>l’esecuzione</a:t>
+            </a:r>
+            <a:r>
+              <a:rPr lang="it-IT" dirty="0"/>
+              <a:t> del test</a:t>
+            </a:r>
+          </a:p>
+          <a:p>
+            <a:pPr>
+              <a:buFont typeface="Arial" panose="020B0604020202020204" pitchFamily="34" charset="0"/>
+              <a:buChar char="•"/>
+            </a:pPr>
+            <a:r>
+              <a:rPr lang="it-IT" dirty="0"/>
+              <a:t> Analisi delle registrazioni audio e degli schermi con </a:t>
+            </a:r>
+            <a:r>
+              <a:rPr lang="it-IT" dirty="0" err="1">
+                <a:solidFill>
+                  <a:schemeClr val="bg1"/>
+                </a:solidFill>
+              </a:rPr>
+              <a:t>a</a:t>
+            </a:r>
+            <a:r>
+              <a:rPr lang="it-IT" dirty="0" err="1"/>
+              <a:t>annotazione</a:t>
+            </a:r>
+            <a:r>
+              <a:rPr lang="it-IT" dirty="0"/>
+              <a:t> di ulteriori problemi e osservazioni</a:t>
+            </a:r>
+          </a:p>
+        </p:txBody>
+      </p:sp>
+      <p:sp>
+        <p:nvSpPr>
+          <p:cNvPr id="4" name="Segnaposto piè di pagina 3">
+            <a:extLst>
+              <a:ext uri="{FF2B5EF4-FFF2-40B4-BE49-F238E27FC236}">
+                <a16:creationId xmlns:a16="http://schemas.microsoft.com/office/drawing/2014/main" id="{36A4004D-E90D-4C75-B7C9-9A83C82F4E4B}"/>
+              </a:ext>
+            </a:extLst>
+          </p:cNvPr>
+          <p:cNvSpPr>
+            <a:spLocks noGrp="1"/>
+          </p:cNvSpPr>
+          <p:nvPr>
+            <p:ph type="ftr" sz="quarter" idx="11"/>
+          </p:nvPr>
+        </p:nvSpPr>
+        <p:spPr>
+          <a:xfrm>
+            <a:off x="0" y="6435643"/>
+            <a:ext cx="6001789" cy="365125"/>
+          </a:xfrm>
+        </p:spPr>
+        <p:txBody>
+          <a:bodyPr/>
+          <a:lstStyle/>
+          <a:p>
+            <a:r>
+              <a:rPr lang="it-IT"/>
+              <a:t>Balice davide, barile roberto, caputo sergio, de marinis pasquale, del vescovo samuele, lopopolo antonio</a:t>
+            </a:r>
+            <a:endParaRPr lang="it-IT" dirty="0"/>
+          </a:p>
+        </p:txBody>
+      </p:sp>
+      <p:pic>
+        <p:nvPicPr>
+          <p:cNvPr id="6" name="Immagine 5">
+            <a:extLst>
+              <a:ext uri="{FF2B5EF4-FFF2-40B4-BE49-F238E27FC236}">
+                <a16:creationId xmlns:a16="http://schemas.microsoft.com/office/drawing/2014/main" id="{148DE106-5375-4B33-9A1C-3FB685BF75B4}"/>
+              </a:ext>
+            </a:extLst>
+          </p:cNvPr>
+          <p:cNvPicPr>
+            <a:picLocks noChangeAspect="1"/>
+          </p:cNvPicPr>
+          <p:nvPr/>
+        </p:nvPicPr>
+        <p:blipFill>
+          <a:blip r:embed="rId2"/>
+          <a:stretch>
+            <a:fillRect/>
+          </a:stretch>
+        </p:blipFill>
+        <p:spPr>
+          <a:xfrm>
+            <a:off x="3000894" y="4562539"/>
+            <a:ext cx="6756772" cy="1589829"/>
+          </a:xfrm>
+          <a:prstGeom prst="rect">
+            <a:avLst/>
+          </a:prstGeom>
+        </p:spPr>
+      </p:pic>
+      <p:sp>
+        <p:nvSpPr>
+          <p:cNvPr id="7" name="CasellaDiTesto 6">
+            <a:extLst>
+              <a:ext uri="{FF2B5EF4-FFF2-40B4-BE49-F238E27FC236}">
+                <a16:creationId xmlns:a16="http://schemas.microsoft.com/office/drawing/2014/main" id="{F685525D-4360-499D-A217-EAA7044726D7}"/>
+              </a:ext>
+            </a:extLst>
+          </p:cNvPr>
+          <p:cNvSpPr txBox="1"/>
+          <p:nvPr/>
+        </p:nvSpPr>
+        <p:spPr>
+          <a:xfrm>
+            <a:off x="1223115" y="5690703"/>
+            <a:ext cx="2140451" cy="461665"/>
+          </a:xfrm>
+          <a:prstGeom prst="rect">
+            <a:avLst/>
+          </a:prstGeom>
+          <a:noFill/>
+        </p:spPr>
+        <p:txBody>
+          <a:bodyPr wrap="square" rtlCol="0">
+            <a:spAutoFit/>
+          </a:bodyPr>
+          <a:lstStyle/>
+          <a:p>
+            <a:r>
+              <a:rPr lang="it-IT" sz="1200" dirty="0"/>
+              <a:t>Esempio documento annotazioni e osservazioni</a:t>
+            </a:r>
+          </a:p>
+        </p:txBody>
+      </p:sp>
+    </p:spTree>
+    <p:extLst>
+      <p:ext uri="{BB962C8B-B14F-4D97-AF65-F5344CB8AC3E}">
+        <p14:creationId xmlns:p14="http://schemas.microsoft.com/office/powerpoint/2010/main" val="3790296871"/>
+      </p:ext>
+    </p:extLst>
+  </p:cSld>
+  <p:clrMapOvr>
+    <a:masterClrMapping/>
+  </p:clrMapOvr>
+</p:sld>
+</file>
+
+<file path=ppt/slides/slide8.xml><?xml version="1.0" encoding="utf-8"?>
+<p:sld xmlns:a="http://schemas.openxmlformats.org/drawingml/2006/main" xmlns:r="http://schemas.openxmlformats.org/officeDocument/2006/relationships" xmlns:p="http://schemas.openxmlformats.org/presentationml/2006/main">
+  <p:cSld>
+    <p:spTree>
+      <p:nvGrpSpPr>
+        <p:cNvPr id="1" name=""/>
+        <p:cNvGrpSpPr/>
+        <p:nvPr/>
+      </p:nvGrpSpPr>
+      <p:grpSpPr>
+        <a:xfrm>
+          <a:off x="0" y="0"/>
+          <a:ext cx="0" cy="0"/>
+          <a:chOff x="0" y="0"/>
+          <a:chExt cx="0" cy="0"/>
+        </a:xfrm>
+      </p:grpSpPr>
+      <p:sp>
+        <p:nvSpPr>
+          <p:cNvPr id="2" name="Titolo 1">
+            <a:extLst>
+              <a:ext uri="{FF2B5EF4-FFF2-40B4-BE49-F238E27FC236}">
+                <a16:creationId xmlns:a16="http://schemas.microsoft.com/office/drawing/2014/main" id="{F9A27F2B-83B3-4D8D-8B1F-F8E5BEB73BBC}"/>
+              </a:ext>
+            </a:extLst>
+          </p:cNvPr>
+          <p:cNvSpPr>
+            <a:spLocks noGrp="1"/>
+          </p:cNvSpPr>
+          <p:nvPr>
+            <p:ph type="title"/>
+          </p:nvPr>
+        </p:nvSpPr>
+        <p:spPr/>
+        <p:txBody>
+          <a:bodyPr/>
+          <a:lstStyle/>
+          <a:p>
+            <a:r>
+              <a:rPr lang="it-IT" dirty="0"/>
+              <a:t>Analisi dei dati</a:t>
+            </a:r>
+          </a:p>
+        </p:txBody>
+      </p:sp>
+      <p:sp>
+        <p:nvSpPr>
+          <p:cNvPr id="3" name="Segnaposto contenuto 2">
+            <a:extLst>
+              <a:ext uri="{FF2B5EF4-FFF2-40B4-BE49-F238E27FC236}">
+                <a16:creationId xmlns:a16="http://schemas.microsoft.com/office/drawing/2014/main" id="{AD09C6EE-EE46-440A-B60E-01AF526AE657}"/>
+              </a:ext>
+            </a:extLst>
+          </p:cNvPr>
+          <p:cNvSpPr>
+            <a:spLocks noGrp="1"/>
+          </p:cNvSpPr>
+          <p:nvPr>
+            <p:ph idx="1"/>
+          </p:nvPr>
+        </p:nvSpPr>
+        <p:spPr/>
+        <p:txBody>
+          <a:bodyPr>
+            <a:normAutofit/>
+          </a:bodyPr>
+          <a:lstStyle/>
+          <a:p>
+            <a:pPr marL="0" indent="0">
+              <a:buNone/>
+            </a:pPr>
+            <a:r>
+              <a:rPr lang="it-IT" sz="4000" b="1" dirty="0">
+                <a:solidFill>
+                  <a:srgbClr val="629DD1"/>
+                </a:solidFill>
+              </a:rPr>
+              <a:t>Collettivo</a:t>
+            </a:r>
+          </a:p>
+          <a:p>
+            <a:pPr>
+              <a:buFont typeface="Arial" panose="020B0604020202020204" pitchFamily="34" charset="0"/>
+              <a:buChar char="•"/>
+            </a:pPr>
+            <a:r>
+              <a:rPr lang="it-IT" sz="2500" b="1" dirty="0">
+                <a:solidFill>
+                  <a:srgbClr val="629DD1"/>
+                </a:solidFill>
+              </a:rPr>
+              <a:t> </a:t>
+            </a:r>
+            <a:r>
+              <a:rPr lang="it-IT" dirty="0"/>
+              <a:t>Analisi tra pari (con utilizzo di </a:t>
+            </a:r>
+            <a:r>
+              <a:rPr lang="it-IT" dirty="0" err="1"/>
+              <a:t>Discord</a:t>
+            </a:r>
+            <a:r>
+              <a:rPr lang="it-IT" dirty="0"/>
+              <a:t>) dei problemi e osservazioni annotate per la redazione della tabella delle criticità riscontrate</a:t>
+            </a:r>
+          </a:p>
+          <a:p>
+            <a:pPr lvl="1">
+              <a:buFont typeface="Arial" panose="020B0604020202020204" pitchFamily="34" charset="0"/>
+              <a:buChar char="•"/>
+            </a:pPr>
+            <a:r>
+              <a:rPr lang="it-IT" sz="2400" dirty="0"/>
+              <a:t> Per ogni task e per ogni utente osservato, ogni osservatore esponeva i </a:t>
+            </a:r>
+            <a:r>
+              <a:rPr lang="it-IT" sz="2400" dirty="0" err="1">
+                <a:solidFill>
+                  <a:schemeClr val="bg1"/>
+                </a:solidFill>
+              </a:rPr>
+              <a:t>a</a:t>
+            </a:r>
+            <a:r>
+              <a:rPr lang="it-IT" sz="2400" dirty="0" err="1"/>
+              <a:t>problemi</a:t>
+            </a:r>
+            <a:r>
+              <a:rPr lang="it-IT" sz="2400" dirty="0"/>
+              <a:t> sorti</a:t>
+            </a:r>
+          </a:p>
+          <a:p>
+            <a:pPr lvl="1">
+              <a:buFont typeface="Arial" panose="020B0604020202020204" pitchFamily="34" charset="0"/>
+              <a:buChar char="•"/>
+            </a:pPr>
+            <a:r>
+              <a:rPr lang="it-IT" sz="2400" dirty="0"/>
+              <a:t> Discussione e inserimento del problema nella tabella</a:t>
+            </a:r>
+          </a:p>
+          <a:p>
+            <a:pPr lvl="1">
+              <a:buFont typeface="Arial" panose="020B0604020202020204" pitchFamily="34" charset="0"/>
+              <a:buChar char="•"/>
+            </a:pPr>
+            <a:r>
+              <a:rPr lang="it-IT" sz="2400" dirty="0"/>
+              <a:t> Individuazione della severità in base a impatto, frequenza e effetto</a:t>
+            </a:r>
+          </a:p>
+          <a:p>
+            <a:endParaRPr lang="it-IT" dirty="0"/>
+          </a:p>
+        </p:txBody>
+      </p:sp>
+      <p:sp>
+        <p:nvSpPr>
+          <p:cNvPr id="4" name="Segnaposto piè di pagina 3">
+            <a:extLst>
+              <a:ext uri="{FF2B5EF4-FFF2-40B4-BE49-F238E27FC236}">
+                <a16:creationId xmlns:a16="http://schemas.microsoft.com/office/drawing/2014/main" id="{32D6CE8E-59E7-440E-B9EE-F6D896E62CA4}"/>
+              </a:ext>
+            </a:extLst>
+          </p:cNvPr>
+          <p:cNvSpPr>
+            <a:spLocks noGrp="1"/>
+          </p:cNvSpPr>
+          <p:nvPr>
+            <p:ph type="ftr" sz="quarter" idx="11"/>
+          </p:nvPr>
+        </p:nvSpPr>
+        <p:spPr/>
+        <p:txBody>
+          <a:bodyPr/>
+          <a:lstStyle/>
+          <a:p>
+            <a:r>
+              <a:rPr lang="it-IT"/>
+              <a:t>Balice davide, barile roberto, caputo sergio, de marinis pasquale, del vescovo samuele, lopopolo antonio</a:t>
+            </a:r>
+            <a:endParaRPr lang="it-IT" dirty="0"/>
+          </a:p>
+        </p:txBody>
+      </p:sp>
+    </p:spTree>
+    <p:extLst>
+      <p:ext uri="{BB962C8B-B14F-4D97-AF65-F5344CB8AC3E}">
+        <p14:creationId xmlns:p14="http://schemas.microsoft.com/office/powerpoint/2010/main" val="3536682682"/>
       </p:ext>
     </p:extLst>
   </p:cSld>
